--- a/chapter15/图片/pic.pptx
+++ b/chapter15/图片/pic.pptx
@@ -292,7 +292,7 @@
           <a:p>
             <a:fld id="{530820CF-B880-4189-942D-D702A7CBA730}" type="datetimeFigureOut">
               <a:rPr lang="zh-CN" altLang="en-US" smtClean="0"/>
-              <a:t>2020/3/26</a:t>
+              <a:t>2020/6/17</a:t>
             </a:fld>
             <a:endParaRPr lang="zh-CN" altLang="en-US"/>
           </a:p>
@@ -457,7 +457,7 @@
           <a:p>
             <a:fld id="{530820CF-B880-4189-942D-D702A7CBA730}" type="datetimeFigureOut">
               <a:rPr lang="zh-CN" altLang="en-US" smtClean="0"/>
-              <a:t>2020/3/26</a:t>
+              <a:t>2020/6/17</a:t>
             </a:fld>
             <a:endParaRPr lang="zh-CN" altLang="en-US"/>
           </a:p>
@@ -632,7 +632,7 @@
           <a:p>
             <a:fld id="{530820CF-B880-4189-942D-D702A7CBA730}" type="datetimeFigureOut">
               <a:rPr lang="zh-CN" altLang="en-US" smtClean="0"/>
-              <a:t>2020/3/26</a:t>
+              <a:t>2020/6/17</a:t>
             </a:fld>
             <a:endParaRPr lang="zh-CN" altLang="en-US"/>
           </a:p>
@@ -797,7 +797,7 @@
           <a:p>
             <a:fld id="{530820CF-B880-4189-942D-D702A7CBA730}" type="datetimeFigureOut">
               <a:rPr lang="zh-CN" altLang="en-US" smtClean="0"/>
-              <a:t>2020/3/26</a:t>
+              <a:t>2020/6/17</a:t>
             </a:fld>
             <a:endParaRPr lang="zh-CN" altLang="en-US"/>
           </a:p>
@@ -1038,7 +1038,7 @@
           <a:p>
             <a:fld id="{530820CF-B880-4189-942D-D702A7CBA730}" type="datetimeFigureOut">
               <a:rPr lang="zh-CN" altLang="en-US" smtClean="0"/>
-              <a:t>2020/3/26</a:t>
+              <a:t>2020/6/17</a:t>
             </a:fld>
             <a:endParaRPr lang="zh-CN" altLang="en-US"/>
           </a:p>
@@ -1321,7 +1321,7 @@
           <a:p>
             <a:fld id="{530820CF-B880-4189-942D-D702A7CBA730}" type="datetimeFigureOut">
               <a:rPr lang="zh-CN" altLang="en-US" smtClean="0"/>
-              <a:t>2020/3/26</a:t>
+              <a:t>2020/6/17</a:t>
             </a:fld>
             <a:endParaRPr lang="zh-CN" altLang="en-US"/>
           </a:p>
@@ -1738,7 +1738,7 @@
           <a:p>
             <a:fld id="{530820CF-B880-4189-942D-D702A7CBA730}" type="datetimeFigureOut">
               <a:rPr lang="zh-CN" altLang="en-US" smtClean="0"/>
-              <a:t>2020/3/26</a:t>
+              <a:t>2020/6/17</a:t>
             </a:fld>
             <a:endParaRPr lang="zh-CN" altLang="en-US"/>
           </a:p>
@@ -1851,7 +1851,7 @@
           <a:p>
             <a:fld id="{530820CF-B880-4189-942D-D702A7CBA730}" type="datetimeFigureOut">
               <a:rPr lang="zh-CN" altLang="en-US" smtClean="0"/>
-              <a:t>2020/3/26</a:t>
+              <a:t>2020/6/17</a:t>
             </a:fld>
             <a:endParaRPr lang="zh-CN" altLang="en-US"/>
           </a:p>
@@ -1941,7 +1941,7 @@
           <a:p>
             <a:fld id="{530820CF-B880-4189-942D-D702A7CBA730}" type="datetimeFigureOut">
               <a:rPr lang="zh-CN" altLang="en-US" smtClean="0"/>
-              <a:t>2020/3/26</a:t>
+              <a:t>2020/6/17</a:t>
             </a:fld>
             <a:endParaRPr lang="zh-CN" altLang="en-US"/>
           </a:p>
@@ -2213,7 +2213,7 @@
           <a:p>
             <a:fld id="{530820CF-B880-4189-942D-D702A7CBA730}" type="datetimeFigureOut">
               <a:rPr lang="zh-CN" altLang="en-US" smtClean="0"/>
-              <a:t>2020/3/26</a:t>
+              <a:t>2020/6/17</a:t>
             </a:fld>
             <a:endParaRPr lang="zh-CN" altLang="en-US"/>
           </a:p>
@@ -2461,7 +2461,7 @@
           <a:p>
             <a:fld id="{530820CF-B880-4189-942D-D702A7CBA730}" type="datetimeFigureOut">
               <a:rPr lang="zh-CN" altLang="en-US" smtClean="0"/>
-              <a:t>2020/3/26</a:t>
+              <a:t>2020/6/17</a:t>
             </a:fld>
             <a:endParaRPr lang="zh-CN" altLang="en-US"/>
           </a:p>
@@ -2669,7 +2669,7 @@
           <a:p>
             <a:fld id="{530820CF-B880-4189-942D-D702A7CBA730}" type="datetimeFigureOut">
               <a:rPr lang="zh-CN" altLang="en-US" smtClean="0"/>
-              <a:t>2020/3/26</a:t>
+              <a:t>2020/6/17</a:t>
             </a:fld>
             <a:endParaRPr lang="zh-CN" altLang="en-US"/>
           </a:p>
@@ -3061,7 +3061,7 @@
           <a:graphicData uri="http://schemas.openxmlformats.org/presentationml/2006/ole">
             <mc:AlternateContent xmlns:mc="http://schemas.openxmlformats.org/markup-compatibility/2006">
               <mc:Choice xmlns:v="urn:schemas-microsoft-com:vml" Requires="v">
-                <p:oleObj spid="_x0000_s1109" name="Equation" r:id="rId3" imgW="152280" imgH="228600" progId="Equation.DSMT4">
+                <p:oleObj spid="_x0000_s1120" name="Equation" r:id="rId3" imgW="152280" imgH="228600" progId="Equation.DSMT4">
                   <p:embed/>
                 </p:oleObj>
               </mc:Choice>
@@ -3118,7 +3118,7 @@
           <a:graphicData uri="http://schemas.openxmlformats.org/presentationml/2006/ole">
             <mc:AlternateContent xmlns:mc="http://schemas.openxmlformats.org/markup-compatibility/2006">
               <mc:Choice xmlns:v="urn:schemas-microsoft-com:vml" Requires="v">
-                <p:oleObj spid="_x0000_s1110" name="Equation" r:id="rId5" imgW="152280" imgH="228600" progId="Equation.DSMT4">
+                <p:oleObj spid="_x0000_s1121" name="Equation" r:id="rId5" imgW="152280" imgH="228600" progId="Equation.DSMT4">
                   <p:embed/>
                 </p:oleObj>
               </mc:Choice>
@@ -3644,251 +3644,6 @@
           </a:graphicData>
         </a:graphic>
       </p:graphicFrame>
-      <mc:AlternateContent xmlns:mc="http://schemas.openxmlformats.org/markup-compatibility/2006" xmlns:a14="http://schemas.microsoft.com/office/drawing/2010/main">
-        <mc:Choice Requires="a14">
-          <p:sp>
-            <p:nvSpPr>
-              <p:cNvPr id="8" name="TextBox 7"/>
-              <p:cNvSpPr txBox="1"/>
-              <p:nvPr/>
-            </p:nvSpPr>
-            <p:spPr>
-              <a:xfrm>
-                <a:off x="2339752" y="208019"/>
-                <a:ext cx="6269541" cy="1077218"/>
-              </a:xfrm>
-              <a:prstGeom prst="rect">
-                <a:avLst/>
-              </a:prstGeom>
-              <a:noFill/>
-            </p:spPr>
-            <p:txBody>
-              <a:bodyPr wrap="square" rtlCol="0">
-                <a:spAutoFit/>
-              </a:bodyPr>
-              <a:lstStyle/>
-              <a:p>
-                <a:pPr/>
-                <a14:m>
-                  <m:oMathPara xmlns:m="http://schemas.openxmlformats.org/officeDocument/2006/math">
-                    <m:oMathParaPr>
-                      <m:jc m:val="centerGroup"/>
-                    </m:oMathParaPr>
-                    <m:oMath xmlns:m="http://schemas.openxmlformats.org/officeDocument/2006/math">
-                      <m:sSub>
-                        <m:sSubPr>
-                          <m:ctrlPr>
-                            <a:rPr lang="en-US" altLang="zh-CN" sz="3200" b="1" i="1" smtClean="0">
-                              <a:latin typeface="Cambria Math"/>
-                            </a:rPr>
-                          </m:ctrlPr>
-                        </m:sSubPr>
-                        <m:e>
-                          <m:r>
-                            <a:rPr lang="en-US" altLang="zh-CN" sz="3200" b="1" i="1" smtClean="0">
-                              <a:latin typeface="Cambria Math"/>
-                            </a:rPr>
-                            <m:t>𝑭</m:t>
-                          </m:r>
-                        </m:e>
-                        <m:sub>
-                          <m:r>
-                            <a:rPr lang="en-US" altLang="zh-CN" sz="3200" b="1" i="1" smtClean="0">
-                              <a:latin typeface="Cambria Math"/>
-                            </a:rPr>
-                            <m:t>𝟏</m:t>
-                          </m:r>
-                          <m:r>
-                            <a:rPr lang="en-US" altLang="zh-CN" sz="3200" b="1" i="1" smtClean="0">
-                              <a:latin typeface="Cambria Math"/>
-                            </a:rPr>
-                            <m:t>~</m:t>
-                          </m:r>
-                          <m:r>
-                            <a:rPr lang="en-US" altLang="zh-CN" sz="3200" b="1" i="1" smtClean="0">
-                              <a:latin typeface="Cambria Math"/>
-                            </a:rPr>
-                            <m:t>𝟑</m:t>
-                          </m:r>
-                        </m:sub>
-                      </m:sSub>
-                      <m:r>
-                        <a:rPr lang="en-US" altLang="zh-CN" sz="3200" b="1" i="0" smtClean="0">
-                          <a:latin typeface="Cambria Math"/>
-                        </a:rPr>
-                        <m:t>=</m:t>
-                      </m:r>
-                      <m:r>
-                        <a:rPr lang="en-US" altLang="zh-CN" sz="3200" b="1" i="0" smtClean="0">
-                          <a:latin typeface="Cambria Math"/>
-                        </a:rPr>
-                        <m:t>𝟏</m:t>
-                      </m:r>
-                      <m:r>
-                        <a:rPr lang="en-US" altLang="zh-CN" sz="3200" b="1" i="0" smtClean="0">
-                          <a:latin typeface="Cambria Math"/>
-                        </a:rPr>
-                        <m:t>,</m:t>
-                      </m:r>
-                      <m:r>
-                        <a:rPr lang="en-US" altLang="zh-CN" sz="3200" b="1" i="0" smtClean="0">
-                          <a:latin typeface="Cambria Math"/>
-                        </a:rPr>
-                        <m:t>𝟏</m:t>
-                      </m:r>
-                      <m:r>
-                        <a:rPr lang="en-US" altLang="zh-CN" sz="3200" b="1" i="0" smtClean="0">
-                          <a:latin typeface="Cambria Math"/>
-                        </a:rPr>
-                        <m:t>,</m:t>
-                      </m:r>
-                      <m:r>
-                        <a:rPr lang="en-US" altLang="zh-CN" sz="3200" b="1" i="0" smtClean="0">
-                          <a:latin typeface="Cambria Math"/>
-                        </a:rPr>
-                        <m:t>𝟎</m:t>
-                      </m:r>
-                      <m:r>
-                        <a:rPr lang="en-US" altLang="zh-CN" sz="3200" b="1" i="1" smtClean="0">
-                          <a:latin typeface="Cambria Math"/>
-                        </a:rPr>
-                        <m:t>;</m:t>
-                      </m:r>
-                    </m:oMath>
-                  </m:oMathPara>
-                </a14:m>
-                <a:endParaRPr lang="en-US" altLang="zh-CN" sz="3200" b="1" i="1" dirty="0" smtClean="0">
-                  <a:latin typeface="Cambria Math"/>
-                </a:endParaRPr>
-              </a:p>
-              <a:p>
-                <a:pPr/>
-                <a14:m>
-                  <m:oMathPara xmlns:m="http://schemas.openxmlformats.org/officeDocument/2006/math">
-                    <m:oMathParaPr>
-                      <m:jc m:val="centerGroup"/>
-                    </m:oMathParaPr>
-                    <m:oMath xmlns:m="http://schemas.openxmlformats.org/officeDocument/2006/math">
-                      <m:sSub>
-                        <m:sSubPr>
-                          <m:ctrlPr>
-                            <a:rPr lang="en-US" altLang="zh-CN" sz="3200" b="1" i="1" smtClean="0">
-                              <a:latin typeface="Cambria Math"/>
-                            </a:rPr>
-                          </m:ctrlPr>
-                        </m:sSubPr>
-                        <m:e>
-                          <m:r>
-                            <a:rPr lang="en-US" altLang="zh-CN" sz="3200" b="1" i="1" smtClean="0">
-                              <a:latin typeface="Cambria Math"/>
-                            </a:rPr>
-                            <m:t>𝑻</m:t>
-                          </m:r>
-                        </m:e>
-                        <m:sub>
-                          <m:r>
-                            <a:rPr lang="en-US" altLang="zh-CN" sz="3200" b="1" i="1" smtClean="0">
-                              <a:latin typeface="Cambria Math"/>
-                            </a:rPr>
-                            <m:t>𝟏</m:t>
-                          </m:r>
-                          <m:r>
-                            <a:rPr lang="en-US" altLang="zh-CN" sz="3200" b="1" i="1" smtClean="0">
-                              <a:latin typeface="Cambria Math"/>
-                            </a:rPr>
-                            <m:t>~</m:t>
-                          </m:r>
-                          <m:r>
-                            <a:rPr lang="en-US" altLang="zh-CN" sz="3200" b="1" i="1" smtClean="0">
-                              <a:latin typeface="Cambria Math"/>
-                            </a:rPr>
-                            <m:t>𝟑</m:t>
-                          </m:r>
-                        </m:sub>
-                      </m:sSub>
-                      <m:r>
-                        <a:rPr lang="en-US" altLang="zh-CN" sz="3200" b="1" i="1" smtClean="0">
-                          <a:latin typeface="Cambria Math"/>
-                        </a:rPr>
-                        <m:t>=</m:t>
-                      </m:r>
-                      <m:r>
-                        <a:rPr lang="en-US" altLang="zh-CN" sz="3200" b="1" i="1" smtClean="0">
-                          <a:latin typeface="Cambria Math"/>
-                        </a:rPr>
-                        <m:t>𝟑</m:t>
-                      </m:r>
-                      <m:r>
-                        <a:rPr lang="en-US" altLang="zh-CN" sz="3200" b="1" i="1" smtClean="0">
-                          <a:latin typeface="Cambria Math"/>
-                        </a:rPr>
-                        <m:t>,</m:t>
-                      </m:r>
-                      <m:r>
-                        <a:rPr lang="en-US" altLang="zh-CN" sz="3200" b="1" i="1" smtClean="0">
-                          <a:latin typeface="Cambria Math"/>
-                        </a:rPr>
-                        <m:t>𝟐</m:t>
-                      </m:r>
-                      <m:r>
-                        <a:rPr lang="en-US" altLang="zh-CN" sz="3200" b="1" i="1" smtClean="0">
-                          <a:latin typeface="Cambria Math"/>
-                        </a:rPr>
-                        <m:t>,</m:t>
-                      </m:r>
-                      <m:r>
-                        <a:rPr lang="en-US" altLang="zh-CN" sz="3200" b="1" i="1" smtClean="0">
-                          <a:latin typeface="Cambria Math"/>
-                        </a:rPr>
-                        <m:t>𝟐</m:t>
-                      </m:r>
-                    </m:oMath>
-                  </m:oMathPara>
-                </a14:m>
-                <a:endParaRPr lang="zh-CN" altLang="en-US" sz="3200" b="1" dirty="0"/>
-              </a:p>
-            </p:txBody>
-          </p:sp>
-        </mc:Choice>
-        <mc:Fallback xmlns="">
-          <p:sp>
-            <p:nvSpPr>
-              <p:cNvPr id="8" name="TextBox 7"/>
-              <p:cNvSpPr txBox="1">
-                <a:spLocks noRot="1" noChangeAspect="1" noMove="1" noResize="1" noEditPoints="1" noAdjustHandles="1" noChangeArrowheads="1" noChangeShapeType="1" noTextEdit="1"/>
-              </p:cNvSpPr>
-              <p:nvPr/>
-            </p:nvSpPr>
-            <p:spPr>
-              <a:xfrm>
-                <a:off x="2339752" y="208019"/>
-                <a:ext cx="6269541" cy="1077218"/>
-              </a:xfrm>
-              <a:prstGeom prst="rect">
-                <a:avLst/>
-              </a:prstGeom>
-              <a:blipFill rotWithShape="1">
-                <a:blip r:embed="rId7"/>
-                <a:stretch>
-                  <a:fillRect/>
-                </a:stretch>
-              </a:blipFill>
-            </p:spPr>
-            <p:txBody>
-              <a:bodyPr/>
-              <a:lstStyle/>
-              <a:p>
-                <a:r>
-                  <a:rPr lang="zh-CN" altLang="en-US">
-                    <a:noFill/>
-                  </a:rPr>
-                  <a:t> </a:t>
-                </a:r>
-              </a:p>
-            </p:txBody>
-          </p:sp>
-        </mc:Fallback>
-      </mc:AlternateContent>
       <p:sp>
         <p:nvSpPr>
           <p:cNvPr id="9" name="TextBox 8"/>
@@ -3928,25 +3683,25 @@
           <p:nvPr>
             <p:extLst>
               <p:ext uri="{D42A27DB-BD31-4B8C-83A1-F6EECF244321}">
-                <p14:modId xmlns:p14="http://schemas.microsoft.com/office/powerpoint/2010/main" val="2781689658"/>
+                <p14:modId xmlns:p14="http://schemas.microsoft.com/office/powerpoint/2010/main" val="334382452"/>
               </p:ext>
             </p:extLst>
           </p:nvPr>
         </p:nvGraphicFramePr>
         <p:xfrm>
-          <a:off x="3903663" y="1997075"/>
-          <a:ext cx="4518025" cy="960438"/>
+          <a:off x="3917950" y="1997075"/>
+          <a:ext cx="4489450" cy="960438"/>
         </p:xfrm>
         <a:graphic>
           <a:graphicData uri="http://schemas.openxmlformats.org/presentationml/2006/ole">
             <mc:AlternateContent xmlns:mc="http://schemas.openxmlformats.org/markup-compatibility/2006">
               <mc:Choice xmlns:v="urn:schemas-microsoft-com:vml" Requires="v">
-                <p:oleObj spid="_x0000_s1111" name="Equation" r:id="rId8" imgW="2031840" imgH="431640" progId="Equation.DSMT4">
+                <p:oleObj spid="_x0000_s1122" name="Equation" r:id="rId7" imgW="2019240" imgH="431640" progId="Equation.DSMT4">
                   <p:embed/>
                 </p:oleObj>
               </mc:Choice>
               <mc:Fallback>
-                <p:oleObj name="Equation" r:id="rId8" imgW="2031840" imgH="431640" progId="Equation.DSMT4">
+                <p:oleObj name="Equation" r:id="rId7" imgW="2019240" imgH="431640" progId="Equation.DSMT4">
                   <p:embed/>
                   <p:pic>
                     <p:nvPicPr>
@@ -3955,15 +3710,15 @@
                       <p:nvPr/>
                     </p:nvPicPr>
                     <p:blipFill>
-                      <a:blip r:embed="rId9"/>
+                      <a:blip r:embed="rId8"/>
                       <a:stretch>
                         <a:fillRect/>
                       </a:stretch>
                     </p:blipFill>
                     <p:spPr>
                       <a:xfrm>
-                        <a:off x="3903663" y="1997075"/>
-                        <a:ext cx="4518025" cy="960438"/>
+                        <a:off x="3917950" y="1997075"/>
+                        <a:ext cx="4489450" cy="960438"/>
                       </a:xfrm>
                       <a:prstGeom prst="rect">
                         <a:avLst/>
@@ -4019,7 +3774,7 @@
           <p:nvPr>
             <p:extLst>
               <p:ext uri="{D42A27DB-BD31-4B8C-83A1-F6EECF244321}">
-                <p14:modId xmlns:p14="http://schemas.microsoft.com/office/powerpoint/2010/main" val="2125982394"/>
+                <p14:modId xmlns:p14="http://schemas.microsoft.com/office/powerpoint/2010/main" val="1866562816"/>
               </p:ext>
             </p:extLst>
           </p:nvPr>
@@ -4032,12 +3787,12 @@
           <a:graphicData uri="http://schemas.openxmlformats.org/presentationml/2006/ole">
             <mc:AlternateContent xmlns:mc="http://schemas.openxmlformats.org/markup-compatibility/2006">
               <mc:Choice xmlns:v="urn:schemas-microsoft-com:vml" Requires="v">
-                <p:oleObj spid="_x0000_s1112" name="Equation" r:id="rId10" imgW="1714320" imgH="393480" progId="Equation.DSMT4">
+                <p:oleObj spid="_x0000_s1123" name="Equation" r:id="rId9" imgW="1714320" imgH="393480" progId="Equation.DSMT4">
                   <p:embed/>
                 </p:oleObj>
               </mc:Choice>
               <mc:Fallback>
-                <p:oleObj name="Equation" r:id="rId10" imgW="1714320" imgH="393480" progId="Equation.DSMT4">
+                <p:oleObj name="Equation" r:id="rId9" imgW="1714320" imgH="393480" progId="Equation.DSMT4">
                   <p:embed/>
                   <p:pic>
                     <p:nvPicPr>
@@ -4046,7 +3801,7 @@
                       <p:nvPr/>
                     </p:nvPicPr>
                     <p:blipFill>
-                      <a:blip r:embed="rId11"/>
+                      <a:blip r:embed="rId10"/>
                       <a:stretch>
                         <a:fillRect/>
                       </a:stretch>
@@ -4110,25 +3865,25 @@
           <p:nvPr>
             <p:extLst>
               <p:ext uri="{D42A27DB-BD31-4B8C-83A1-F6EECF244321}">
-                <p14:modId xmlns:p14="http://schemas.microsoft.com/office/powerpoint/2010/main" val="2912368935"/>
+                <p14:modId xmlns:p14="http://schemas.microsoft.com/office/powerpoint/2010/main" val="846892020"/>
               </p:ext>
             </p:extLst>
           </p:nvPr>
         </p:nvGraphicFramePr>
         <p:xfrm>
-          <a:off x="3414713" y="5126038"/>
-          <a:ext cx="5424487" cy="876300"/>
+          <a:off x="3429000" y="5126038"/>
+          <a:ext cx="5395913" cy="876300"/>
         </p:xfrm>
         <a:graphic>
           <a:graphicData uri="http://schemas.openxmlformats.org/presentationml/2006/ole">
             <mc:AlternateContent xmlns:mc="http://schemas.openxmlformats.org/markup-compatibility/2006">
               <mc:Choice xmlns:v="urn:schemas-microsoft-com:vml" Requires="v">
-                <p:oleObj spid="_x0000_s1113" name="Equation" r:id="rId12" imgW="2438280" imgH="393480" progId="Equation.DSMT4">
+                <p:oleObj spid="_x0000_s1124" name="Equation" r:id="rId11" imgW="2425680" imgH="393480" progId="Equation.DSMT4">
                   <p:embed/>
                 </p:oleObj>
               </mc:Choice>
               <mc:Fallback>
-                <p:oleObj name="Equation" r:id="rId12" imgW="2438280" imgH="393480" progId="Equation.DSMT4">
+                <p:oleObj name="Equation" r:id="rId11" imgW="2425680" imgH="393480" progId="Equation.DSMT4">
                   <p:embed/>
                   <p:pic>
                     <p:nvPicPr>
@@ -4137,15 +3892,15 @@
                       <p:nvPr/>
                     </p:nvPicPr>
                     <p:blipFill>
-                      <a:blip r:embed="rId13"/>
+                      <a:blip r:embed="rId12"/>
                       <a:stretch>
                         <a:fillRect/>
                       </a:stretch>
                     </p:blipFill>
                     <p:spPr>
                       <a:xfrm>
-                        <a:off x="3414713" y="5126038"/>
-                        <a:ext cx="5424487" cy="876300"/>
+                        <a:off x="3429000" y="5126038"/>
+                        <a:ext cx="5395913" cy="876300"/>
                       </a:xfrm>
                       <a:prstGeom prst="rect">
                         <a:avLst/>
@@ -4188,6 +3943,63 @@
           </a:p>
         </p:txBody>
       </p:sp>
+      <p:graphicFrame>
+        <p:nvGraphicFramePr>
+          <p:cNvPr id="2" name="对象 1"/>
+          <p:cNvGraphicFramePr>
+            <a:graphicFrameLocks noChangeAspect="1"/>
+          </p:cNvGraphicFramePr>
+          <p:nvPr>
+            <p:extLst>
+              <p:ext uri="{D42A27DB-BD31-4B8C-83A1-F6EECF244321}">
+                <p14:modId xmlns:p14="http://schemas.microsoft.com/office/powerpoint/2010/main" val="1430650534"/>
+              </p:ext>
+            </p:extLst>
+          </p:nvPr>
+        </p:nvGraphicFramePr>
+        <p:xfrm>
+          <a:off x="4538418" y="195977"/>
+          <a:ext cx="2625870" cy="1101299"/>
+        </p:xfrm>
+        <a:graphic>
+          <a:graphicData uri="http://schemas.openxmlformats.org/presentationml/2006/ole">
+            <mc:AlternateContent xmlns:mc="http://schemas.openxmlformats.org/markup-compatibility/2006">
+              <mc:Choice xmlns:v="urn:schemas-microsoft-com:vml" Requires="v">
+                <p:oleObj spid="_x0000_s1125" name="Equation" r:id="rId13" imgW="863280" imgH="507960" progId="Equation.DSMT4">
+                  <p:embed/>
+                </p:oleObj>
+              </mc:Choice>
+              <mc:Fallback>
+                <p:oleObj name="Equation" r:id="rId13" imgW="863280" imgH="507960" progId="Equation.DSMT4">
+                  <p:embed/>
+                  <p:pic>
+                    <p:nvPicPr>
+                      <p:cNvPr id="0" name=""/>
+                      <p:cNvPicPr/>
+                      <p:nvPr/>
+                    </p:nvPicPr>
+                    <p:blipFill>
+                      <a:blip r:embed="rId14"/>
+                      <a:stretch>
+                        <a:fillRect/>
+                      </a:stretch>
+                    </p:blipFill>
+                    <p:spPr>
+                      <a:xfrm>
+                        <a:off x="4538418" y="195977"/>
+                        <a:ext cx="2625870" cy="1101299"/>
+                      </a:xfrm>
+                      <a:prstGeom prst="rect">
+                        <a:avLst/>
+                      </a:prstGeom>
+                    </p:spPr>
+                  </p:pic>
+                </p:oleObj>
+              </mc:Fallback>
+            </mc:AlternateContent>
+          </a:graphicData>
+        </a:graphic>
+      </p:graphicFrame>
     </p:spTree>
     <p:extLst>
       <p:ext uri="{BB962C8B-B14F-4D97-AF65-F5344CB8AC3E}">
@@ -5932,7 +5744,7 @@
           <a:graphicData uri="http://schemas.openxmlformats.org/presentationml/2006/ole">
             <mc:AlternateContent xmlns:mc="http://schemas.openxmlformats.org/markup-compatibility/2006">
               <mc:Choice xmlns:v="urn:schemas-microsoft-com:vml" Requires="v">
-                <p:oleObj spid="_x0000_s2106" name="Equation" r:id="rId9" imgW="164880" imgH="228600" progId="Equation.DSMT4">
+                <p:oleObj spid="_x0000_s2116" name="Equation" r:id="rId9" imgW="164880" imgH="228600" progId="Equation.DSMT4">
                   <p:embed/>
                 </p:oleObj>
               </mc:Choice>
@@ -5989,7 +5801,7 @@
           <a:graphicData uri="http://schemas.openxmlformats.org/presentationml/2006/ole">
             <mc:AlternateContent xmlns:mc="http://schemas.openxmlformats.org/markup-compatibility/2006">
               <mc:Choice xmlns:v="urn:schemas-microsoft-com:vml" Requires="v">
-                <p:oleObj spid="_x0000_s2107" name="Equation" r:id="rId11" imgW="177480" imgH="228600" progId="Equation.DSMT4">
+                <p:oleObj spid="_x0000_s2117" name="Equation" r:id="rId11" imgW="177480" imgH="228600" progId="Equation.DSMT4">
                   <p:embed/>
                 </p:oleObj>
               </mc:Choice>
@@ -6072,7 +5884,7 @@
           <a:graphicData uri="http://schemas.openxmlformats.org/presentationml/2006/ole">
             <mc:AlternateContent xmlns:mc="http://schemas.openxmlformats.org/markup-compatibility/2006">
               <mc:Choice xmlns:v="urn:schemas-microsoft-com:vml" Requires="v">
-                <p:oleObj spid="_x0000_s2108" name="Equation" r:id="rId13" imgW="177480" imgH="228600" progId="Equation.DSMT4">
+                <p:oleObj spid="_x0000_s2118" name="Equation" r:id="rId13" imgW="177480" imgH="228600" progId="Equation.DSMT4">
                   <p:embed/>
                 </p:oleObj>
               </mc:Choice>
@@ -6155,7 +5967,7 @@
           <a:graphicData uri="http://schemas.openxmlformats.org/presentationml/2006/ole">
             <mc:AlternateContent xmlns:mc="http://schemas.openxmlformats.org/markup-compatibility/2006">
               <mc:Choice xmlns:v="urn:schemas-microsoft-com:vml" Requires="v">
-                <p:oleObj spid="_x0000_s2109" name="Equation" r:id="rId15" imgW="203040" imgH="228600" progId="Equation.DSMT4">
+                <p:oleObj spid="_x0000_s2119" name="Equation" r:id="rId15" imgW="203040" imgH="228600" progId="Equation.DSMT4">
                   <p:embed/>
                 </p:oleObj>
               </mc:Choice>
@@ -6238,7 +6050,7 @@
           <a:graphicData uri="http://schemas.openxmlformats.org/presentationml/2006/ole">
             <mc:AlternateContent xmlns:mc="http://schemas.openxmlformats.org/markup-compatibility/2006">
               <mc:Choice xmlns:v="urn:schemas-microsoft-com:vml" Requires="v">
-                <p:oleObj spid="_x0000_s2110" name="Equation" r:id="rId17" imgW="75960" imgH="177480" progId="Equation.DSMT4">
+                <p:oleObj spid="_x0000_s2120" name="Equation" r:id="rId17" imgW="75960" imgH="177480" progId="Equation.DSMT4">
                   <p:embed/>
                 </p:oleObj>
               </mc:Choice>
@@ -6745,7 +6557,7 @@
           <a:graphicData uri="http://schemas.openxmlformats.org/presentationml/2006/ole">
             <mc:AlternateContent xmlns:mc="http://schemas.openxmlformats.org/markup-compatibility/2006">
               <mc:Choice xmlns:v="urn:schemas-microsoft-com:vml" Requires="v">
-                <p:oleObj spid="_x0000_s3149" name="Equation" r:id="rId3" imgW="1930320" imgH="253800" progId="Equation.DSMT4">
+                <p:oleObj spid="_x0000_s3175" name="Equation" r:id="rId3" imgW="1930320" imgH="253800" progId="Equation.DSMT4">
                   <p:embed/>
                 </p:oleObj>
               </mc:Choice>
@@ -6865,7 +6677,7 @@
           <a:graphicData uri="http://schemas.openxmlformats.org/presentationml/2006/ole">
             <mc:AlternateContent xmlns:mc="http://schemas.openxmlformats.org/markup-compatibility/2006">
               <mc:Choice xmlns:v="urn:schemas-microsoft-com:vml" Requires="v">
-                <p:oleObj spid="_x0000_s3150" name="Equation" r:id="rId5" imgW="380880" imgH="1600200" progId="Equation.DSMT4">
+                <p:oleObj spid="_x0000_s3176" name="Equation" r:id="rId5" imgW="380880" imgH="1600200" progId="Equation.DSMT4">
                   <p:embed/>
                 </p:oleObj>
               </mc:Choice>
@@ -6926,7 +6738,7 @@
           <a:graphicData uri="http://schemas.openxmlformats.org/presentationml/2006/ole">
             <mc:AlternateContent xmlns:mc="http://schemas.openxmlformats.org/markup-compatibility/2006">
               <mc:Choice xmlns:v="urn:schemas-microsoft-com:vml" Requires="v">
-                <p:oleObj spid="_x0000_s3151" name="Equation" r:id="rId7" imgW="583920" imgH="253800" progId="Equation.DSMT4">
+                <p:oleObj spid="_x0000_s3177" name="Equation" r:id="rId7" imgW="583920" imgH="253800" progId="Equation.DSMT4">
                   <p:embed/>
                 </p:oleObj>
               </mc:Choice>
@@ -6983,7 +6795,7 @@
           <a:graphicData uri="http://schemas.openxmlformats.org/presentationml/2006/ole">
             <mc:AlternateContent xmlns:mc="http://schemas.openxmlformats.org/markup-compatibility/2006">
               <mc:Choice xmlns:v="urn:schemas-microsoft-com:vml" Requires="v">
-                <p:oleObj spid="_x0000_s3152" name="Equation" r:id="rId9" imgW="596880" imgH="253800" progId="Equation.DSMT4">
+                <p:oleObj spid="_x0000_s3178" name="Equation" r:id="rId9" imgW="596880" imgH="253800" progId="Equation.DSMT4">
                   <p:embed/>
                 </p:oleObj>
               </mc:Choice>
@@ -7066,7 +6878,7 @@
           <a:graphicData uri="http://schemas.openxmlformats.org/presentationml/2006/ole">
             <mc:AlternateContent xmlns:mc="http://schemas.openxmlformats.org/markup-compatibility/2006">
               <mc:Choice xmlns:v="urn:schemas-microsoft-com:vml" Requires="v">
-                <p:oleObj spid="_x0000_s3153" name="Equation" r:id="rId11" imgW="583920" imgH="253800" progId="Equation.DSMT4">
+                <p:oleObj spid="_x0000_s3179" name="Equation" r:id="rId11" imgW="583920" imgH="253800" progId="Equation.DSMT4">
                   <p:embed/>
                 </p:oleObj>
               </mc:Choice>
@@ -7149,7 +6961,7 @@
           <a:graphicData uri="http://schemas.openxmlformats.org/presentationml/2006/ole">
             <mc:AlternateContent xmlns:mc="http://schemas.openxmlformats.org/markup-compatibility/2006">
               <mc:Choice xmlns:v="urn:schemas-microsoft-com:vml" Requires="v">
-                <p:oleObj spid="_x0000_s3154" name="Equation" r:id="rId13" imgW="596880" imgH="253800" progId="Equation.DSMT4">
+                <p:oleObj spid="_x0000_s3180" name="Equation" r:id="rId13" imgW="596880" imgH="253800" progId="Equation.DSMT4">
                   <p:embed/>
                 </p:oleObj>
               </mc:Choice>
@@ -7232,7 +7044,7 @@
           <a:graphicData uri="http://schemas.openxmlformats.org/presentationml/2006/ole">
             <mc:AlternateContent xmlns:mc="http://schemas.openxmlformats.org/markup-compatibility/2006">
               <mc:Choice xmlns:v="urn:schemas-microsoft-com:vml" Requires="v">
-                <p:oleObj spid="_x0000_s3155" name="Equation" r:id="rId15" imgW="596880" imgH="253800" progId="Equation.DSMT4">
+                <p:oleObj spid="_x0000_s3181" name="Equation" r:id="rId15" imgW="596880" imgH="253800" progId="Equation.DSMT4">
                   <p:embed/>
                 </p:oleObj>
               </mc:Choice>
@@ -7315,7 +7127,7 @@
           <a:graphicData uri="http://schemas.openxmlformats.org/presentationml/2006/ole">
             <mc:AlternateContent xmlns:mc="http://schemas.openxmlformats.org/markup-compatibility/2006">
               <mc:Choice xmlns:v="urn:schemas-microsoft-com:vml" Requires="v">
-                <p:oleObj spid="_x0000_s3156" name="Equation" r:id="rId17" imgW="583920" imgH="253800" progId="Equation.DSMT4">
+                <p:oleObj spid="_x0000_s3182" name="Equation" r:id="rId17" imgW="583920" imgH="253800" progId="Equation.DSMT4">
                   <p:embed/>
                 </p:oleObj>
               </mc:Choice>
@@ -7398,7 +7210,7 @@
           <a:graphicData uri="http://schemas.openxmlformats.org/presentationml/2006/ole">
             <mc:AlternateContent xmlns:mc="http://schemas.openxmlformats.org/markup-compatibility/2006">
               <mc:Choice xmlns:v="urn:schemas-microsoft-com:vml" Requires="v">
-                <p:oleObj spid="_x0000_s3157" name="Equation" r:id="rId19" imgW="177480" imgH="177480" progId="Equation.DSMT4">
+                <p:oleObj spid="_x0000_s3183" name="Equation" r:id="rId19" imgW="177480" imgH="177480" progId="Equation.DSMT4">
                   <p:embed/>
                 </p:oleObj>
               </mc:Choice>
@@ -7455,7 +7267,7 @@
           <a:graphicData uri="http://schemas.openxmlformats.org/presentationml/2006/ole">
             <mc:AlternateContent xmlns:mc="http://schemas.openxmlformats.org/markup-compatibility/2006">
               <mc:Choice xmlns:v="urn:schemas-microsoft-com:vml" Requires="v">
-                <p:oleObj spid="_x0000_s3158" name="Equation" r:id="rId21" imgW="571320" imgH="253800" progId="Equation.DSMT4">
+                <p:oleObj spid="_x0000_s3184" name="Equation" r:id="rId21" imgW="571320" imgH="253800" progId="Equation.DSMT4">
                   <p:embed/>
                 </p:oleObj>
               </mc:Choice>
@@ -7538,7 +7350,7 @@
           <a:graphicData uri="http://schemas.openxmlformats.org/presentationml/2006/ole">
             <mc:AlternateContent xmlns:mc="http://schemas.openxmlformats.org/markup-compatibility/2006">
               <mc:Choice xmlns:v="urn:schemas-microsoft-com:vml" Requires="v">
-                <p:oleObj spid="_x0000_s3159" name="Equation" r:id="rId23" imgW="571320" imgH="253800" progId="Equation.DSMT4">
+                <p:oleObj spid="_x0000_s3185" name="Equation" r:id="rId23" imgW="571320" imgH="253800" progId="Equation.DSMT4">
                   <p:embed/>
                 </p:oleObj>
               </mc:Choice>
@@ -7621,7 +7433,7 @@
           <a:graphicData uri="http://schemas.openxmlformats.org/presentationml/2006/ole">
             <mc:AlternateContent xmlns:mc="http://schemas.openxmlformats.org/markup-compatibility/2006">
               <mc:Choice xmlns:v="urn:schemas-microsoft-com:vml" Requires="v">
-                <p:oleObj spid="_x0000_s3160" name="Equation" r:id="rId25" imgW="177480" imgH="101520" progId="Equation.DSMT4">
+                <p:oleObj spid="_x0000_s3186" name="Equation" r:id="rId25" imgW="177480" imgH="101520" progId="Equation.DSMT4">
                   <p:embed/>
                 </p:oleObj>
               </mc:Choice>
@@ -7678,7 +7490,7 @@
           <a:graphicData uri="http://schemas.openxmlformats.org/presentationml/2006/ole">
             <mc:AlternateContent xmlns:mc="http://schemas.openxmlformats.org/markup-compatibility/2006">
               <mc:Choice xmlns:v="urn:schemas-microsoft-com:vml" Requires="v">
-                <p:oleObj spid="_x0000_s3161" name="Equation" r:id="rId27" imgW="177480" imgH="101520" progId="Equation.DSMT4">
+                <p:oleObj spid="_x0000_s3187" name="Equation" r:id="rId27" imgW="177480" imgH="101520" progId="Equation.DSMT4">
                   <p:embed/>
                 </p:oleObj>
               </mc:Choice>
@@ -8329,7 +8141,7 @@
           <p:cNvPr id="65" name="椭圆 64">
             <a:extLst>
               <a:ext uri="{FF2B5EF4-FFF2-40B4-BE49-F238E27FC236}">
-                <a16:creationId xmlns="" xmlns:a16="http://schemas.microsoft.com/office/drawing/2014/main" id="{FE077A2E-079D-4D8E-A72E-859971F79E47}"/>
+                <a16:creationId xmlns:a16="http://schemas.microsoft.com/office/drawing/2014/main" xmlns="" id="{FE077A2E-079D-4D8E-A72E-859971F79E47}"/>
               </a:ext>
             </a:extLst>
           </p:cNvPr>
@@ -8381,7 +8193,7 @@
           <p:cNvPr id="81" name="等腰三角形 80">
             <a:extLst>
               <a:ext uri="{FF2B5EF4-FFF2-40B4-BE49-F238E27FC236}">
-                <a16:creationId xmlns="" xmlns:a16="http://schemas.microsoft.com/office/drawing/2014/main" id="{221D6153-21EE-4A68-9C29-0E7D51DCDC16}"/>
+                <a16:creationId xmlns:a16="http://schemas.microsoft.com/office/drawing/2014/main" xmlns="" id="{221D6153-21EE-4A68-9C29-0E7D51DCDC16}"/>
               </a:ext>
             </a:extLst>
           </p:cNvPr>
@@ -8433,7 +8245,7 @@
           <p:cNvPr id="82" name="矩形 81">
             <a:extLst>
               <a:ext uri="{FF2B5EF4-FFF2-40B4-BE49-F238E27FC236}">
-                <a16:creationId xmlns="" xmlns:a16="http://schemas.microsoft.com/office/drawing/2014/main" id="{02334002-AB2E-4BF3-BFE7-9DCA7703B38E}"/>
+                <a16:creationId xmlns:a16="http://schemas.microsoft.com/office/drawing/2014/main" xmlns="" id="{02334002-AB2E-4BF3-BFE7-9DCA7703B38E}"/>
               </a:ext>
             </a:extLst>
           </p:cNvPr>
@@ -9391,7 +9203,7 @@
           <p:cNvPr id="44" name="椭圆 43">
             <a:extLst>
               <a:ext uri="{FF2B5EF4-FFF2-40B4-BE49-F238E27FC236}">
-                <a16:creationId xmlns="" xmlns:a16="http://schemas.microsoft.com/office/drawing/2014/main" id="{FE077A2E-079D-4D8E-A72E-859971F79E47}"/>
+                <a16:creationId xmlns:a16="http://schemas.microsoft.com/office/drawing/2014/main" xmlns="" id="{FE077A2E-079D-4D8E-A72E-859971F79E47}"/>
               </a:ext>
             </a:extLst>
           </p:cNvPr>
@@ -9443,7 +9255,7 @@
           <p:cNvPr id="45" name="等腰三角形 44">
             <a:extLst>
               <a:ext uri="{FF2B5EF4-FFF2-40B4-BE49-F238E27FC236}">
-                <a16:creationId xmlns="" xmlns:a16="http://schemas.microsoft.com/office/drawing/2014/main" id="{221D6153-21EE-4A68-9C29-0E7D51DCDC16}"/>
+                <a16:creationId xmlns:a16="http://schemas.microsoft.com/office/drawing/2014/main" xmlns="" id="{221D6153-21EE-4A68-9C29-0E7D51DCDC16}"/>
               </a:ext>
             </a:extLst>
           </p:cNvPr>
@@ -9495,7 +9307,7 @@
           <p:cNvPr id="49" name="矩形 48">
             <a:extLst>
               <a:ext uri="{FF2B5EF4-FFF2-40B4-BE49-F238E27FC236}">
-                <a16:creationId xmlns="" xmlns:a16="http://schemas.microsoft.com/office/drawing/2014/main" id="{02334002-AB2E-4BF3-BFE7-9DCA7703B38E}"/>
+                <a16:creationId xmlns:a16="http://schemas.microsoft.com/office/drawing/2014/main" xmlns="" id="{02334002-AB2E-4BF3-BFE7-9DCA7703B38E}"/>
               </a:ext>
             </a:extLst>
           </p:cNvPr>
@@ -9756,7 +9568,7 @@
           <p:cNvPr id="61" name="矩形 60">
             <a:extLst>
               <a:ext uri="{FF2B5EF4-FFF2-40B4-BE49-F238E27FC236}">
-                <a16:creationId xmlns="" xmlns:a16="http://schemas.microsoft.com/office/drawing/2014/main" id="{02334002-AB2E-4BF3-BFE7-9DCA7703B38E}"/>
+                <a16:creationId xmlns:a16="http://schemas.microsoft.com/office/drawing/2014/main" xmlns="" id="{02334002-AB2E-4BF3-BFE7-9DCA7703B38E}"/>
               </a:ext>
             </a:extLst>
           </p:cNvPr>
@@ -10037,7 +9849,7 @@
         <a:sysClr val="windowText" lastClr="000000"/>
       </a:dk1>
       <a:lt1>
-        <a:sysClr val="window" lastClr="CCE8CF"/>
+        <a:sysClr val="window" lastClr="FFFFFF"/>
       </a:lt1>
       <a:dk2>
         <a:srgbClr val="1F497D"/>
